--- a/learning/DJANGO.pptx
+++ b/learning/DJANGO.pptx
@@ -17374,6 +17374,34 @@
           <a:p>
             <a:endParaRPr lang="tr-TR" dirty="0"/>
           </a:p>
+          <a:p>
+            <a:r>
+              <a:rPr lang="tr-TR" sz="1200" kern="1200" dirty="0">
+                <a:solidFill>
+                  <a:schemeClr val="tx1"/>
+                </a:solidFill>
+                <a:effectLst/>
+                <a:latin typeface="+mn-lt"/>
+                <a:ea typeface="+mn-ea"/>
+                <a:cs typeface="+mn-cs"/>
+              </a:rPr>
+              <a:t>Eğer bilgisayarınızda MYSQL kurulu değilse web sayfasından MYSQL ve MYSQL Benchmark kurmanızı öneriyorum.</a:t>
+            </a:r>
+          </a:p>
+          <a:p>
+            <a:endParaRPr lang="tr-TR" sz="1200" kern="1200" dirty="0">
+              <a:solidFill>
+                <a:schemeClr val="tx1"/>
+              </a:solidFill>
+              <a:effectLst/>
+              <a:latin typeface="+mn-lt"/>
+              <a:ea typeface="+mn-ea"/>
+              <a:cs typeface="+mn-cs"/>
+            </a:endParaRPr>
+          </a:p>
+          <a:p>
+            <a:endParaRPr lang="tr-TR" dirty="0"/>
+          </a:p>
         </p:txBody>
       </p:sp>
       <p:sp>
@@ -25850,7 +25878,7 @@
           <a:p>
             <a:fld id="{4AAD347D-5ACD-4C99-B74B-A9C85AD731AF}" type="datetimeFigureOut">
               <a:rPr lang="en-US" dirty="0"/>
-              <a:t>4/10/19</a:t>
+              <a:t>4/10/2019</a:t>
             </a:fld>
             <a:endParaRPr lang="en-US" dirty="0"/>
           </a:p>
@@ -26120,7 +26148,7 @@
           <a:p>
             <a:fld id="{4509A250-FF31-4206-8172-F9D3106AACB1}" type="datetimeFigureOut">
               <a:rPr lang="en-US" dirty="0"/>
-              <a:t>4/10/19</a:t>
+              <a:t>4/10/2019</a:t>
             </a:fld>
             <a:endParaRPr lang="en-US" dirty="0"/>
           </a:p>
@@ -26309,7 +26337,7 @@
           <a:p>
             <a:fld id="{4509A250-FF31-4206-8172-F9D3106AACB1}" type="datetimeFigureOut">
               <a:rPr lang="en-US" dirty="0"/>
-              <a:t>4/10/19</a:t>
+              <a:t>4/10/2019</a:t>
             </a:fld>
             <a:endParaRPr lang="en-US" dirty="0"/>
           </a:p>
@@ -26572,7 +26600,7 @@
           <a:p>
             <a:fld id="{4509A250-FF31-4206-8172-F9D3106AACB1}" type="datetimeFigureOut">
               <a:rPr lang="en-US" dirty="0"/>
-              <a:t>4/10/19</a:t>
+              <a:t>4/10/2019</a:t>
             </a:fld>
             <a:endParaRPr lang="en-US" dirty="0"/>
           </a:p>
@@ -26899,7 +26927,7 @@
           <a:p>
             <a:fld id="{4509A250-FF31-4206-8172-F9D3106AACB1}" type="datetimeFigureOut">
               <a:rPr lang="en-US" dirty="0"/>
-              <a:t>4/10/19</a:t>
+              <a:t>4/10/2019</a:t>
             </a:fld>
             <a:endParaRPr lang="en-US" dirty="0"/>
           </a:p>
@@ -27504,7 +27532,7 @@
           <a:p>
             <a:fld id="{4509A250-FF31-4206-8172-F9D3106AACB1}" type="datetimeFigureOut">
               <a:rPr lang="en-US" dirty="0"/>
-              <a:t>4/10/19</a:t>
+              <a:t>4/10/2019</a:t>
             </a:fld>
             <a:endParaRPr lang="en-US" dirty="0"/>
           </a:p>
@@ -28346,7 +28374,7 @@
           <a:p>
             <a:fld id="{4509A250-FF31-4206-8172-F9D3106AACB1}" type="datetimeFigureOut">
               <a:rPr lang="en-US" dirty="0"/>
-              <a:t>4/10/19</a:t>
+              <a:t>4/10/2019</a:t>
             </a:fld>
             <a:endParaRPr lang="en-US" dirty="0"/>
           </a:p>
@@ -28511,7 +28539,7 @@
           <a:p>
             <a:fld id="{4509A250-FF31-4206-8172-F9D3106AACB1}" type="datetimeFigureOut">
               <a:rPr lang="en-US" dirty="0"/>
-              <a:t>4/10/19</a:t>
+              <a:t>4/10/2019</a:t>
             </a:fld>
             <a:endParaRPr lang="en-US" dirty="0"/>
           </a:p>
@@ -28686,7 +28714,7 @@
           <a:p>
             <a:fld id="{4509A250-FF31-4206-8172-F9D3106AACB1}" type="datetimeFigureOut">
               <a:rPr lang="en-US" dirty="0"/>
-              <a:t>4/10/19</a:t>
+              <a:t>4/10/2019</a:t>
             </a:fld>
             <a:endParaRPr lang="en-US" dirty="0"/>
           </a:p>
@@ -28851,7 +28879,7 @@
           <a:p>
             <a:fld id="{4509A250-FF31-4206-8172-F9D3106AACB1}" type="datetimeFigureOut">
               <a:rPr lang="en-US" dirty="0"/>
-              <a:t>4/10/19</a:t>
+              <a:t>4/10/2019</a:t>
             </a:fld>
             <a:endParaRPr lang="en-US" dirty="0"/>
           </a:p>
@@ -29090,7 +29118,7 @@
           <a:p>
             <a:fld id="{4509A250-FF31-4206-8172-F9D3106AACB1}" type="datetimeFigureOut">
               <a:rPr lang="en-US" dirty="0"/>
-              <a:t>4/10/19</a:t>
+              <a:t>4/10/2019</a:t>
             </a:fld>
             <a:endParaRPr lang="en-US" dirty="0"/>
           </a:p>
@@ -29377,7 +29405,7 @@
           <a:p>
             <a:fld id="{4509A250-FF31-4206-8172-F9D3106AACB1}" type="datetimeFigureOut">
               <a:rPr lang="en-US" dirty="0"/>
-              <a:t>4/10/19</a:t>
+              <a:t>4/10/2019</a:t>
             </a:fld>
             <a:endParaRPr lang="en-US" dirty="0"/>
           </a:p>
@@ -29810,7 +29838,7 @@
           <a:p>
             <a:fld id="{4509A250-FF31-4206-8172-F9D3106AACB1}" type="datetimeFigureOut">
               <a:rPr lang="en-US" dirty="0"/>
-              <a:t>4/10/19</a:t>
+              <a:t>4/10/2019</a:t>
             </a:fld>
             <a:endParaRPr lang="en-US" dirty="0"/>
           </a:p>
@@ -29923,7 +29951,7 @@
           <a:p>
             <a:fld id="{4509A250-FF31-4206-8172-F9D3106AACB1}" type="datetimeFigureOut">
               <a:rPr lang="en-US" dirty="0"/>
-              <a:t>4/10/19</a:t>
+              <a:t>4/10/2019</a:t>
             </a:fld>
             <a:endParaRPr lang="en-US" dirty="0"/>
           </a:p>
@@ -30013,7 +30041,7 @@
           <a:p>
             <a:fld id="{4509A250-FF31-4206-8172-F9D3106AACB1}" type="datetimeFigureOut">
               <a:rPr lang="en-US" dirty="0"/>
-              <a:t>4/10/19</a:t>
+              <a:t>4/10/2019</a:t>
             </a:fld>
             <a:endParaRPr lang="en-US" dirty="0"/>
           </a:p>
@@ -30287,7 +30315,7 @@
           <a:p>
             <a:fld id="{4509A250-FF31-4206-8172-F9D3106AACB1}" type="datetimeFigureOut">
               <a:rPr lang="en-US" dirty="0"/>
-              <a:t>4/10/19</a:t>
+              <a:t>4/10/2019</a:t>
             </a:fld>
             <a:endParaRPr lang="en-US" dirty="0"/>
           </a:p>
@@ -30557,7 +30585,7 @@
           <a:p>
             <a:fld id="{4509A250-FF31-4206-8172-F9D3106AACB1}" type="datetimeFigureOut">
               <a:rPr lang="en-US" dirty="0"/>
-              <a:t>4/10/19</a:t>
+              <a:t>4/10/2019</a:t>
             </a:fld>
             <a:endParaRPr lang="en-US" dirty="0"/>
           </a:p>
@@ -30981,7 +31009,7 @@
           <a:p>
             <a:fld id="{4509A250-FF31-4206-8172-F9D3106AACB1}" type="datetimeFigureOut">
               <a:rPr lang="en-US" dirty="0"/>
-              <a:t>4/10/19</a:t>
+              <a:t>4/10/2019</a:t>
             </a:fld>
             <a:endParaRPr lang="en-US" dirty="0"/>
           </a:p>
